--- a/Team_LOCH.pptx
+++ b/Team_LOCH.pptx
@@ -27,23 +27,23 @@
   <p:notesSz cx="6858000" cy="9144000"/>
   <p:embeddedFontLst>
     <p:embeddedFont>
+      <p:font typeface="Fira Sans Extra Condensed SemiBold" panose="020B0600000101010101" charset="0"/>
+      <p:regular r:id="rId17"/>
+      <p:bold r:id="rId18"/>
+      <p:italic r:id="rId19"/>
+      <p:boldItalic r:id="rId20"/>
+    </p:embeddedFont>
+    <p:embeddedFont>
       <p:font typeface="G마켓 산스 TTF Bold" panose="02000000000000000000" pitchFamily="2" charset="-127"/>
-      <p:bold r:id="rId17"/>
+      <p:bold r:id="rId21"/>
     </p:embeddedFont>
     <p:embeddedFont>
       <p:font typeface="G마켓 산스 TTF Light" panose="02000000000000000000" pitchFamily="2" charset="-127"/>
-      <p:regular r:id="rId18"/>
+      <p:regular r:id="rId22"/>
     </p:embeddedFont>
     <p:embeddedFont>
       <p:font typeface="G마켓 산스 TTF Medium" panose="02000000000000000000" pitchFamily="2" charset="-127"/>
-      <p:regular r:id="rId19"/>
-    </p:embeddedFont>
-    <p:embeddedFont>
-      <p:font typeface="Fira Sans Extra Condensed SemiBold" panose="020B0600000101010101" charset="0"/>
-      <p:regular r:id="rId20"/>
-      <p:bold r:id="rId21"/>
-      <p:italic r:id="rId22"/>
-      <p:boldItalic r:id="rId23"/>
+      <p:regular r:id="rId23"/>
     </p:embeddedFont>
     <p:embeddedFont>
       <p:font typeface="Roboto" panose="02000000000000000000" pitchFamily="2" charset="0"/>
@@ -5383,18 +5383,18 @@
           <a:p>
             <a:pPr marL="0" indent="0"/>
             <a:r>
+              <a:rPr lang="ko-KR" altLang="en-US" sz="1400" dirty="0">
+                <a:latin typeface="G마켓 산스 TTF Light" panose="02000000000000000000" pitchFamily="2" charset="-127"/>
+                <a:ea typeface="G마켓 산스 TTF Light" panose="02000000000000000000" pitchFamily="2" charset="-127"/>
+              </a:rPr>
+              <a:t>조용무 </a:t>
+            </a:r>
+            <a:r>
               <a:rPr lang="en-US" sz="1400" dirty="0">
                 <a:latin typeface="G마켓 산스 TTF Light" panose="02000000000000000000" pitchFamily="2" charset="-127"/>
                 <a:ea typeface="G마켓 산스 TTF Light" panose="02000000000000000000" pitchFamily="2" charset="-127"/>
               </a:rPr>
-              <a:t>202307012 </a:t>
-            </a:r>
-            <a:r>
-              <a:rPr lang="ko-KR" altLang="en-US" sz="1400" dirty="0">
-                <a:latin typeface="G마켓 산스 TTF Light" panose="02000000000000000000" pitchFamily="2" charset="-127"/>
-                <a:ea typeface="G마켓 산스 TTF Light" panose="02000000000000000000" pitchFamily="2" charset="-127"/>
-              </a:rPr>
-              <a:t>조용무</a:t>
+              <a:t>202307012</a:t>
             </a:r>
             <a:endParaRPr lang="en-US" altLang="ko-KR" sz="1400" dirty="0">
               <a:latin typeface="G마켓 산스 TTF Light" panose="02000000000000000000" pitchFamily="2" charset="-127"/>
@@ -5410,6 +5410,20 @@
               </a:rPr>
               <a:t>임현성</a:t>
             </a:r>
+            <a:r>
+              <a:rPr lang="ko-KR" altLang="en-US" sz="1400" dirty="0">
+                <a:latin typeface="G마켓 산스 TTF Light" panose="02000000000000000000" pitchFamily="2" charset="-127"/>
+                <a:ea typeface="G마켓 산스 TTF Light" panose="02000000000000000000" pitchFamily="2" charset="-127"/>
+              </a:rPr>
+              <a:t> </a:t>
+            </a:r>
+            <a:r>
+              <a:rPr lang="en-US" altLang="ko-KR" sz="1400" dirty="0">
+                <a:latin typeface="G마켓 산스 TTF Light" panose="02000000000000000000" pitchFamily="2" charset="-127"/>
+                <a:ea typeface="G마켓 산스 TTF Light" panose="02000000000000000000" pitchFamily="2" charset="-127"/>
+              </a:rPr>
+              <a:t>202307032</a:t>
+            </a:r>
             <a:endParaRPr lang="en-US" sz="1400" dirty="0">
               <a:latin typeface="G마켓 산스 TTF Light" panose="02000000000000000000" pitchFamily="2" charset="-127"/>
               <a:ea typeface="G마켓 산스 TTF Light" panose="02000000000000000000" pitchFamily="2" charset="-127"/>
@@ -5424,6 +5438,20 @@
               </a:rPr>
               <a:t>오택현</a:t>
             </a:r>
+            <a:r>
+              <a:rPr lang="ko-KR" altLang="en-US" sz="1400" dirty="0">
+                <a:latin typeface="G마켓 산스 TTF Light" panose="02000000000000000000" pitchFamily="2" charset="-127"/>
+                <a:ea typeface="G마켓 산스 TTF Light" panose="02000000000000000000" pitchFamily="2" charset="-127"/>
+              </a:rPr>
+              <a:t> </a:t>
+            </a:r>
+            <a:r>
+              <a:rPr lang="en-US" altLang="ko-KR" sz="1400" dirty="0">
+                <a:latin typeface="G마켓 산스 TTF Light" panose="02000000000000000000" pitchFamily="2" charset="-127"/>
+                <a:ea typeface="G마켓 산스 TTF Light" panose="02000000000000000000" pitchFamily="2" charset="-127"/>
+              </a:rPr>
+              <a:t>202107028</a:t>
+            </a:r>
             <a:endParaRPr lang="en-US" sz="1400" dirty="0">
               <a:latin typeface="G마켓 산스 TTF Light" panose="02000000000000000000" pitchFamily="2" charset="-127"/>
               <a:ea typeface="G마켓 산스 TTF Light" panose="02000000000000000000" pitchFamily="2" charset="-127"/>
@@ -5437,6 +5465,20 @@
                 <a:ea typeface="G마켓 산스 TTF Light" panose="02000000000000000000" pitchFamily="2" charset="-127"/>
               </a:rPr>
               <a:t>황자준</a:t>
+            </a:r>
+            <a:r>
+              <a:rPr lang="ko-KR" altLang="en-US" sz="1400" dirty="0">
+                <a:latin typeface="G마켓 산스 TTF Light" panose="02000000000000000000" pitchFamily="2" charset="-127"/>
+                <a:ea typeface="G마켓 산스 TTF Light" panose="02000000000000000000" pitchFamily="2" charset="-127"/>
+              </a:rPr>
+              <a:t> </a:t>
+            </a:r>
+            <a:r>
+              <a:rPr lang="en-US" altLang="ko-KR" sz="1400" dirty="0">
+                <a:latin typeface="G마켓 산스 TTF Light" panose="02000000000000000000" pitchFamily="2" charset="-127"/>
+                <a:ea typeface="G마켓 산스 TTF Light" panose="02000000000000000000" pitchFamily="2" charset="-127"/>
+              </a:rPr>
+              <a:t>202307072</a:t>
             </a:r>
             <a:endParaRPr lang="en-US" sz="1400" dirty="0">
               <a:latin typeface="G마켓 산스 TTF Light" panose="02000000000000000000" pitchFamily="2" charset="-127"/>
@@ -11583,7 +11625,7 @@
             <a:lstStyle/>
             <a:p>
               <a:pPr algn="ctr"/>
-              <a:endParaRPr lang="ko-KR" altLang="en-US"/>
+              <a:endParaRPr lang="ko-KR" altLang="en-US" dirty="0"/>
             </a:p>
           </p:txBody>
         </p:sp>
